--- a/test.pptx
+++ b/test.pptx
@@ -2956,6 +2956,13 @@
             </a:r>
             <a:endParaRPr lang="en-US" altLang="zh-CN"/>
           </a:p>
+          <a:p>
+            <a:r>
+              <a:rPr lang="en-US" altLang="zh-CN"/>
+              <a:t>banben2</a:t>
+            </a:r>
+            <a:endParaRPr lang="en-US" altLang="zh-CN"/>
+          </a:p>
         </p:txBody>
       </p:sp>
     </p:spTree>

--- a/test.pptx
+++ b/test.pptx
@@ -2963,6 +2963,13 @@
             </a:r>
             <a:endParaRPr lang="en-US" altLang="zh-CN"/>
           </a:p>
+          <a:p>
+            <a:r>
+              <a:rPr lang="en-US" altLang="zh-CN"/>
+              <a:t>banben3</a:t>
+            </a:r>
+            <a:endParaRPr lang="en-US" altLang="zh-CN"/>
+          </a:p>
         </p:txBody>
       </p:sp>
     </p:spTree>
